--- a/ppt 16-9/0349.爱的呼唤.pptx
+++ b/ppt 16-9/0349.爱的呼唤.pptx
@@ -129,7 +129,7 @@
           <p:cNvPr id="2" name="标题 1">
             <a:extLst>
               <a:ext uri="{FF2B5EF4-FFF2-40B4-BE49-F238E27FC236}">
-                <a16:creationId xmlns:a16="http://schemas.microsoft.com/office/drawing/2014/main" id="{05C1090B-F817-EAA8-30AE-92373A61C8DC}"/>
+                <a16:creationId xmlns:a16="http://schemas.microsoft.com/office/drawing/2014/main" id="{1D2AF64E-4620-D6F7-5552-D27CB6E2BAE0}"/>
               </a:ext>
             </a:extLst>
           </p:cNvPr>
@@ -166,7 +166,7 @@
           <p:cNvPr id="3" name="副标题 2">
             <a:extLst>
               <a:ext uri="{FF2B5EF4-FFF2-40B4-BE49-F238E27FC236}">
-                <a16:creationId xmlns:a16="http://schemas.microsoft.com/office/drawing/2014/main" id="{31DC4E73-47B1-6D8B-C426-C0D1A5098718}"/>
+                <a16:creationId xmlns:a16="http://schemas.microsoft.com/office/drawing/2014/main" id="{5C4B9AC4-8D5D-98B2-D633-B3FAA308FAF9}"/>
               </a:ext>
             </a:extLst>
           </p:cNvPr>
@@ -236,7 +236,7 @@
           <p:cNvPr id="4" name="日期占位符 3">
             <a:extLst>
               <a:ext uri="{FF2B5EF4-FFF2-40B4-BE49-F238E27FC236}">
-                <a16:creationId xmlns:a16="http://schemas.microsoft.com/office/drawing/2014/main" id="{53D0B60C-E5E8-AFBA-F3D8-178AC6B732D8}"/>
+                <a16:creationId xmlns:a16="http://schemas.microsoft.com/office/drawing/2014/main" id="{FD2B2303-C780-5E3C-9189-FDA6DF1E7B1C}"/>
               </a:ext>
             </a:extLst>
           </p:cNvPr>
@@ -252,7 +252,7 @@
           <a:bodyPr/>
           <a:lstStyle/>
           <a:p>
-            <a:fld id="{6218534A-F868-4796-89B7-85D01E630E18}" type="datetimeFigureOut">
+            <a:fld id="{BBB08990-C06F-484D-8644-C26719B08CA4}" type="datetimeFigureOut">
               <a:rPr lang="zh-CN" altLang="en-US" smtClean="0"/>
               <a:t>2024/3/10</a:t>
             </a:fld>
@@ -265,7 +265,7 @@
           <p:cNvPr id="5" name="页脚占位符 4">
             <a:extLst>
               <a:ext uri="{FF2B5EF4-FFF2-40B4-BE49-F238E27FC236}">
-                <a16:creationId xmlns:a16="http://schemas.microsoft.com/office/drawing/2014/main" id="{47872EC1-55B8-F694-4A50-B6ACDE9B77B8}"/>
+                <a16:creationId xmlns:a16="http://schemas.microsoft.com/office/drawing/2014/main" id="{3A4D8009-E7A0-5C09-DCEF-CA32BC0746F0}"/>
               </a:ext>
             </a:extLst>
           </p:cNvPr>
@@ -290,7 +290,7 @@
           <p:cNvPr id="6" name="灯片编号占位符 5">
             <a:extLst>
               <a:ext uri="{FF2B5EF4-FFF2-40B4-BE49-F238E27FC236}">
-                <a16:creationId xmlns:a16="http://schemas.microsoft.com/office/drawing/2014/main" id="{5011C63A-849C-C7A5-F0B2-09BEAEC96908}"/>
+                <a16:creationId xmlns:a16="http://schemas.microsoft.com/office/drawing/2014/main" id="{4F85058C-4057-6EDE-C56A-D7FF7D6136E3}"/>
               </a:ext>
             </a:extLst>
           </p:cNvPr>
@@ -306,7 +306,7 @@
           <a:bodyPr/>
           <a:lstStyle/>
           <a:p>
-            <a:fld id="{ABEAD775-013E-4EC4-91AA-C2577BE087D7}" type="slidenum">
+            <a:fld id="{4D3F2761-7EFD-4B21-B191-37421E226DC2}" type="slidenum">
               <a:rPr lang="zh-CN" altLang="en-US" smtClean="0"/>
               <a:t>‹#›</a:t>
             </a:fld>
@@ -317,7 +317,7 @@
     </p:spTree>
     <p:extLst>
       <p:ext uri="{BB962C8B-B14F-4D97-AF65-F5344CB8AC3E}">
-        <p14:creationId xmlns:p14="http://schemas.microsoft.com/office/powerpoint/2010/main" val="2866491344"/>
+        <p14:creationId xmlns:p14="http://schemas.microsoft.com/office/powerpoint/2010/main" val="773828167"/>
       </p:ext>
     </p:extLst>
   </p:cSld>
@@ -349,7 +349,7 @@
           <p:cNvPr id="2" name="标题 1">
             <a:extLst>
               <a:ext uri="{FF2B5EF4-FFF2-40B4-BE49-F238E27FC236}">
-                <a16:creationId xmlns:a16="http://schemas.microsoft.com/office/drawing/2014/main" id="{EBB54C09-5A82-07AB-162E-0533FDCF9147}"/>
+                <a16:creationId xmlns:a16="http://schemas.microsoft.com/office/drawing/2014/main" id="{617AD626-71CE-3F09-571E-0B06FE4A5D88}"/>
               </a:ext>
             </a:extLst>
           </p:cNvPr>
@@ -377,7 +377,7 @@
           <p:cNvPr id="3" name="竖排文字占位符 2">
             <a:extLst>
               <a:ext uri="{FF2B5EF4-FFF2-40B4-BE49-F238E27FC236}">
-                <a16:creationId xmlns:a16="http://schemas.microsoft.com/office/drawing/2014/main" id="{33D83569-B6FC-8245-94A3-52C461B4A944}"/>
+                <a16:creationId xmlns:a16="http://schemas.microsoft.com/office/drawing/2014/main" id="{719111EC-4529-5BB8-0FE4-4CEDEA462F44}"/>
               </a:ext>
             </a:extLst>
           </p:cNvPr>
@@ -434,7 +434,7 @@
           <p:cNvPr id="4" name="日期占位符 3">
             <a:extLst>
               <a:ext uri="{FF2B5EF4-FFF2-40B4-BE49-F238E27FC236}">
-                <a16:creationId xmlns:a16="http://schemas.microsoft.com/office/drawing/2014/main" id="{D2B4DF8A-7BBF-B060-796B-01FE667FF219}"/>
+                <a16:creationId xmlns:a16="http://schemas.microsoft.com/office/drawing/2014/main" id="{C20511B6-BEDC-65E5-3732-BB75728D8CCB}"/>
               </a:ext>
             </a:extLst>
           </p:cNvPr>
@@ -450,7 +450,7 @@
           <a:bodyPr/>
           <a:lstStyle/>
           <a:p>
-            <a:fld id="{6218534A-F868-4796-89B7-85D01E630E18}" type="datetimeFigureOut">
+            <a:fld id="{BBB08990-C06F-484D-8644-C26719B08CA4}" type="datetimeFigureOut">
               <a:rPr lang="zh-CN" altLang="en-US" smtClean="0"/>
               <a:t>2024/3/10</a:t>
             </a:fld>
@@ -463,7 +463,7 @@
           <p:cNvPr id="5" name="页脚占位符 4">
             <a:extLst>
               <a:ext uri="{FF2B5EF4-FFF2-40B4-BE49-F238E27FC236}">
-                <a16:creationId xmlns:a16="http://schemas.microsoft.com/office/drawing/2014/main" id="{237F93D7-9B15-C8D3-F531-BE68AD43A512}"/>
+                <a16:creationId xmlns:a16="http://schemas.microsoft.com/office/drawing/2014/main" id="{8E7CCF7B-D078-5635-7FB2-697248AC42C3}"/>
               </a:ext>
             </a:extLst>
           </p:cNvPr>
@@ -488,7 +488,7 @@
           <p:cNvPr id="6" name="灯片编号占位符 5">
             <a:extLst>
               <a:ext uri="{FF2B5EF4-FFF2-40B4-BE49-F238E27FC236}">
-                <a16:creationId xmlns:a16="http://schemas.microsoft.com/office/drawing/2014/main" id="{3FECCCA8-667D-9D01-0805-4B2DC408C2B9}"/>
+                <a16:creationId xmlns:a16="http://schemas.microsoft.com/office/drawing/2014/main" id="{C61C13B9-2041-F2C5-0050-39215CB80A69}"/>
               </a:ext>
             </a:extLst>
           </p:cNvPr>
@@ -504,7 +504,7 @@
           <a:bodyPr/>
           <a:lstStyle/>
           <a:p>
-            <a:fld id="{ABEAD775-013E-4EC4-91AA-C2577BE087D7}" type="slidenum">
+            <a:fld id="{4D3F2761-7EFD-4B21-B191-37421E226DC2}" type="slidenum">
               <a:rPr lang="zh-CN" altLang="en-US" smtClean="0"/>
               <a:t>‹#›</a:t>
             </a:fld>
@@ -515,7 +515,7 @@
     </p:spTree>
     <p:extLst>
       <p:ext uri="{BB962C8B-B14F-4D97-AF65-F5344CB8AC3E}">
-        <p14:creationId xmlns:p14="http://schemas.microsoft.com/office/powerpoint/2010/main" val="541761306"/>
+        <p14:creationId xmlns:p14="http://schemas.microsoft.com/office/powerpoint/2010/main" val="197679946"/>
       </p:ext>
     </p:extLst>
   </p:cSld>
@@ -547,7 +547,7 @@
           <p:cNvPr id="2" name="竖排标题 1">
             <a:extLst>
               <a:ext uri="{FF2B5EF4-FFF2-40B4-BE49-F238E27FC236}">
-                <a16:creationId xmlns:a16="http://schemas.microsoft.com/office/drawing/2014/main" id="{32290232-0EB1-8227-AC54-B876C5612B36}"/>
+                <a16:creationId xmlns:a16="http://schemas.microsoft.com/office/drawing/2014/main" id="{4E803450-E005-90A3-D975-B9BC080262F2}"/>
               </a:ext>
             </a:extLst>
           </p:cNvPr>
@@ -580,7 +580,7 @@
           <p:cNvPr id="3" name="竖排文字占位符 2">
             <a:extLst>
               <a:ext uri="{FF2B5EF4-FFF2-40B4-BE49-F238E27FC236}">
-                <a16:creationId xmlns:a16="http://schemas.microsoft.com/office/drawing/2014/main" id="{F6EF3F5C-C5D2-5B72-D76F-43C2CBC97E18}"/>
+                <a16:creationId xmlns:a16="http://schemas.microsoft.com/office/drawing/2014/main" id="{C63461BA-2195-5206-9FB3-112CF659D659}"/>
               </a:ext>
             </a:extLst>
           </p:cNvPr>
@@ -642,7 +642,7 @@
           <p:cNvPr id="4" name="日期占位符 3">
             <a:extLst>
               <a:ext uri="{FF2B5EF4-FFF2-40B4-BE49-F238E27FC236}">
-                <a16:creationId xmlns:a16="http://schemas.microsoft.com/office/drawing/2014/main" id="{71686C35-A6F9-E9BB-F637-149176A50114}"/>
+                <a16:creationId xmlns:a16="http://schemas.microsoft.com/office/drawing/2014/main" id="{06C93FF8-28B6-26BA-D98E-413D303E2BB5}"/>
               </a:ext>
             </a:extLst>
           </p:cNvPr>
@@ -658,7 +658,7 @@
           <a:bodyPr/>
           <a:lstStyle/>
           <a:p>
-            <a:fld id="{6218534A-F868-4796-89B7-85D01E630E18}" type="datetimeFigureOut">
+            <a:fld id="{BBB08990-C06F-484D-8644-C26719B08CA4}" type="datetimeFigureOut">
               <a:rPr lang="zh-CN" altLang="en-US" smtClean="0"/>
               <a:t>2024/3/10</a:t>
             </a:fld>
@@ -671,7 +671,7 @@
           <p:cNvPr id="5" name="页脚占位符 4">
             <a:extLst>
               <a:ext uri="{FF2B5EF4-FFF2-40B4-BE49-F238E27FC236}">
-                <a16:creationId xmlns:a16="http://schemas.microsoft.com/office/drawing/2014/main" id="{F5392D58-B077-AFE1-DA62-910A012E5E45}"/>
+                <a16:creationId xmlns:a16="http://schemas.microsoft.com/office/drawing/2014/main" id="{78048717-D262-6672-8615-70C9A3649423}"/>
               </a:ext>
             </a:extLst>
           </p:cNvPr>
@@ -696,7 +696,7 @@
           <p:cNvPr id="6" name="灯片编号占位符 5">
             <a:extLst>
               <a:ext uri="{FF2B5EF4-FFF2-40B4-BE49-F238E27FC236}">
-                <a16:creationId xmlns:a16="http://schemas.microsoft.com/office/drawing/2014/main" id="{CC3B25AF-9926-179D-A975-D53162D8554A}"/>
+                <a16:creationId xmlns:a16="http://schemas.microsoft.com/office/drawing/2014/main" id="{34C7E91E-D474-791B-318A-9EAA38890701}"/>
               </a:ext>
             </a:extLst>
           </p:cNvPr>
@@ -712,7 +712,7 @@
           <a:bodyPr/>
           <a:lstStyle/>
           <a:p>
-            <a:fld id="{ABEAD775-013E-4EC4-91AA-C2577BE087D7}" type="slidenum">
+            <a:fld id="{4D3F2761-7EFD-4B21-B191-37421E226DC2}" type="slidenum">
               <a:rPr lang="zh-CN" altLang="en-US" smtClean="0"/>
               <a:t>‹#›</a:t>
             </a:fld>
@@ -723,7 +723,7 @@
     </p:spTree>
     <p:extLst>
       <p:ext uri="{BB962C8B-B14F-4D97-AF65-F5344CB8AC3E}">
-        <p14:creationId xmlns:p14="http://schemas.microsoft.com/office/powerpoint/2010/main" val="2950411566"/>
+        <p14:creationId xmlns:p14="http://schemas.microsoft.com/office/powerpoint/2010/main" val="146590510"/>
       </p:ext>
     </p:extLst>
   </p:cSld>
@@ -755,7 +755,7 @@
           <p:cNvPr id="2" name="标题 1">
             <a:extLst>
               <a:ext uri="{FF2B5EF4-FFF2-40B4-BE49-F238E27FC236}">
-                <a16:creationId xmlns:a16="http://schemas.microsoft.com/office/drawing/2014/main" id="{96EB853C-09F5-8D92-B487-AB5638103EFF}"/>
+                <a16:creationId xmlns:a16="http://schemas.microsoft.com/office/drawing/2014/main" id="{48729606-82FA-473A-7B0C-AF6CF736FA94}"/>
               </a:ext>
             </a:extLst>
           </p:cNvPr>
@@ -783,7 +783,7 @@
           <p:cNvPr id="3" name="内容占位符 2">
             <a:extLst>
               <a:ext uri="{FF2B5EF4-FFF2-40B4-BE49-F238E27FC236}">
-                <a16:creationId xmlns:a16="http://schemas.microsoft.com/office/drawing/2014/main" id="{722813D1-97D8-77C1-AB93-B795722EAB1C}"/>
+                <a16:creationId xmlns:a16="http://schemas.microsoft.com/office/drawing/2014/main" id="{D2E8CF78-776F-8720-CC53-0D6D520D0EEE}"/>
               </a:ext>
             </a:extLst>
           </p:cNvPr>
@@ -840,7 +840,7 @@
           <p:cNvPr id="4" name="日期占位符 3">
             <a:extLst>
               <a:ext uri="{FF2B5EF4-FFF2-40B4-BE49-F238E27FC236}">
-                <a16:creationId xmlns:a16="http://schemas.microsoft.com/office/drawing/2014/main" id="{F5C19034-5AD8-9256-3617-4B5DEA7DFCAC}"/>
+                <a16:creationId xmlns:a16="http://schemas.microsoft.com/office/drawing/2014/main" id="{44FEE438-A85E-FA3B-BC44-D43E25CB3344}"/>
               </a:ext>
             </a:extLst>
           </p:cNvPr>
@@ -856,7 +856,7 @@
           <a:bodyPr/>
           <a:lstStyle/>
           <a:p>
-            <a:fld id="{6218534A-F868-4796-89B7-85D01E630E18}" type="datetimeFigureOut">
+            <a:fld id="{BBB08990-C06F-484D-8644-C26719B08CA4}" type="datetimeFigureOut">
               <a:rPr lang="zh-CN" altLang="en-US" smtClean="0"/>
               <a:t>2024/3/10</a:t>
             </a:fld>
@@ -869,7 +869,7 @@
           <p:cNvPr id="5" name="页脚占位符 4">
             <a:extLst>
               <a:ext uri="{FF2B5EF4-FFF2-40B4-BE49-F238E27FC236}">
-                <a16:creationId xmlns:a16="http://schemas.microsoft.com/office/drawing/2014/main" id="{E2AD123C-D251-7191-931C-6BD4DB7D07DE}"/>
+                <a16:creationId xmlns:a16="http://schemas.microsoft.com/office/drawing/2014/main" id="{092A4899-6077-B219-BC76-5EF1046908B6}"/>
               </a:ext>
             </a:extLst>
           </p:cNvPr>
@@ -894,7 +894,7 @@
           <p:cNvPr id="6" name="灯片编号占位符 5">
             <a:extLst>
               <a:ext uri="{FF2B5EF4-FFF2-40B4-BE49-F238E27FC236}">
-                <a16:creationId xmlns:a16="http://schemas.microsoft.com/office/drawing/2014/main" id="{7596F4F4-D853-21AA-7CF5-E7C43B94B464}"/>
+                <a16:creationId xmlns:a16="http://schemas.microsoft.com/office/drawing/2014/main" id="{D3AA492B-0A54-0B3D-7030-7EB48EB33BEE}"/>
               </a:ext>
             </a:extLst>
           </p:cNvPr>
@@ -910,7 +910,7 @@
           <a:bodyPr/>
           <a:lstStyle/>
           <a:p>
-            <a:fld id="{ABEAD775-013E-4EC4-91AA-C2577BE087D7}" type="slidenum">
+            <a:fld id="{4D3F2761-7EFD-4B21-B191-37421E226DC2}" type="slidenum">
               <a:rPr lang="zh-CN" altLang="en-US" smtClean="0"/>
               <a:t>‹#›</a:t>
             </a:fld>
@@ -921,7 +921,7 @@
     </p:spTree>
     <p:extLst>
       <p:ext uri="{BB962C8B-B14F-4D97-AF65-F5344CB8AC3E}">
-        <p14:creationId xmlns:p14="http://schemas.microsoft.com/office/powerpoint/2010/main" val="187622116"/>
+        <p14:creationId xmlns:p14="http://schemas.microsoft.com/office/powerpoint/2010/main" val="3946716435"/>
       </p:ext>
     </p:extLst>
   </p:cSld>
@@ -953,7 +953,7 @@
           <p:cNvPr id="2" name="标题 1">
             <a:extLst>
               <a:ext uri="{FF2B5EF4-FFF2-40B4-BE49-F238E27FC236}">
-                <a16:creationId xmlns:a16="http://schemas.microsoft.com/office/drawing/2014/main" id="{70DB564D-E7EE-6834-3FB4-D68EFBBD141E}"/>
+                <a16:creationId xmlns:a16="http://schemas.microsoft.com/office/drawing/2014/main" id="{6818FAC1-0734-9FF1-3A32-BE765E4DB919}"/>
               </a:ext>
             </a:extLst>
           </p:cNvPr>
@@ -990,7 +990,7 @@
           <p:cNvPr id="3" name="文本占位符 2">
             <a:extLst>
               <a:ext uri="{FF2B5EF4-FFF2-40B4-BE49-F238E27FC236}">
-                <a16:creationId xmlns:a16="http://schemas.microsoft.com/office/drawing/2014/main" id="{DB6E09C5-76B0-3C93-0A86-F6F5DB942E18}"/>
+                <a16:creationId xmlns:a16="http://schemas.microsoft.com/office/drawing/2014/main" id="{5CE50EBF-2472-520D-E78C-88C5428C6940}"/>
               </a:ext>
             </a:extLst>
           </p:cNvPr>
@@ -1115,7 +1115,7 @@
           <p:cNvPr id="4" name="日期占位符 3">
             <a:extLst>
               <a:ext uri="{FF2B5EF4-FFF2-40B4-BE49-F238E27FC236}">
-                <a16:creationId xmlns:a16="http://schemas.microsoft.com/office/drawing/2014/main" id="{ABFD9D36-0D83-4B6B-FB8B-BDAB00E6D5F5}"/>
+                <a16:creationId xmlns:a16="http://schemas.microsoft.com/office/drawing/2014/main" id="{6A0AE475-F906-E00B-C48F-DE553C66C51A}"/>
               </a:ext>
             </a:extLst>
           </p:cNvPr>
@@ -1131,7 +1131,7 @@
           <a:bodyPr/>
           <a:lstStyle/>
           <a:p>
-            <a:fld id="{6218534A-F868-4796-89B7-85D01E630E18}" type="datetimeFigureOut">
+            <a:fld id="{BBB08990-C06F-484D-8644-C26719B08CA4}" type="datetimeFigureOut">
               <a:rPr lang="zh-CN" altLang="en-US" smtClean="0"/>
               <a:t>2024/3/10</a:t>
             </a:fld>
@@ -1144,7 +1144,7 @@
           <p:cNvPr id="5" name="页脚占位符 4">
             <a:extLst>
               <a:ext uri="{FF2B5EF4-FFF2-40B4-BE49-F238E27FC236}">
-                <a16:creationId xmlns:a16="http://schemas.microsoft.com/office/drawing/2014/main" id="{DA8BEB7B-8DB2-0127-6C2B-81EF4D1FDF7C}"/>
+                <a16:creationId xmlns:a16="http://schemas.microsoft.com/office/drawing/2014/main" id="{1B58CE73-292D-1E72-9661-243CC9916F60}"/>
               </a:ext>
             </a:extLst>
           </p:cNvPr>
@@ -1169,7 +1169,7 @@
           <p:cNvPr id="6" name="灯片编号占位符 5">
             <a:extLst>
               <a:ext uri="{FF2B5EF4-FFF2-40B4-BE49-F238E27FC236}">
-                <a16:creationId xmlns:a16="http://schemas.microsoft.com/office/drawing/2014/main" id="{088041A6-1A6D-DCE6-C9AD-455626B3CE67}"/>
+                <a16:creationId xmlns:a16="http://schemas.microsoft.com/office/drawing/2014/main" id="{3E867027-54FC-8505-39A2-5BB280D6257D}"/>
               </a:ext>
             </a:extLst>
           </p:cNvPr>
@@ -1185,7 +1185,7 @@
           <a:bodyPr/>
           <a:lstStyle/>
           <a:p>
-            <a:fld id="{ABEAD775-013E-4EC4-91AA-C2577BE087D7}" type="slidenum">
+            <a:fld id="{4D3F2761-7EFD-4B21-B191-37421E226DC2}" type="slidenum">
               <a:rPr lang="zh-CN" altLang="en-US" smtClean="0"/>
               <a:t>‹#›</a:t>
             </a:fld>
@@ -1196,7 +1196,7 @@
     </p:spTree>
     <p:extLst>
       <p:ext uri="{BB962C8B-B14F-4D97-AF65-F5344CB8AC3E}">
-        <p14:creationId xmlns:p14="http://schemas.microsoft.com/office/powerpoint/2010/main" val="703522986"/>
+        <p14:creationId xmlns:p14="http://schemas.microsoft.com/office/powerpoint/2010/main" val="3295222871"/>
       </p:ext>
     </p:extLst>
   </p:cSld>
@@ -1228,7 +1228,7 @@
           <p:cNvPr id="2" name="标题 1">
             <a:extLst>
               <a:ext uri="{FF2B5EF4-FFF2-40B4-BE49-F238E27FC236}">
-                <a16:creationId xmlns:a16="http://schemas.microsoft.com/office/drawing/2014/main" id="{A83706D9-ADFD-1FEF-2A95-C33E0B61DEBF}"/>
+                <a16:creationId xmlns:a16="http://schemas.microsoft.com/office/drawing/2014/main" id="{7C2E8A1A-3627-E413-ACCD-8E5C2873159B}"/>
               </a:ext>
             </a:extLst>
           </p:cNvPr>
@@ -1256,7 +1256,7 @@
           <p:cNvPr id="3" name="内容占位符 2">
             <a:extLst>
               <a:ext uri="{FF2B5EF4-FFF2-40B4-BE49-F238E27FC236}">
-                <a16:creationId xmlns:a16="http://schemas.microsoft.com/office/drawing/2014/main" id="{F02CD7FE-3146-53F6-F0BC-32B6FC200863}"/>
+                <a16:creationId xmlns:a16="http://schemas.microsoft.com/office/drawing/2014/main" id="{3A9E38C0-ABC1-A354-5F72-2E980757844B}"/>
               </a:ext>
             </a:extLst>
           </p:cNvPr>
@@ -1318,7 +1318,7 @@
           <p:cNvPr id="4" name="内容占位符 3">
             <a:extLst>
               <a:ext uri="{FF2B5EF4-FFF2-40B4-BE49-F238E27FC236}">
-                <a16:creationId xmlns:a16="http://schemas.microsoft.com/office/drawing/2014/main" id="{CAFEEFBF-E77E-3D2F-80E7-727294B21AC2}"/>
+                <a16:creationId xmlns:a16="http://schemas.microsoft.com/office/drawing/2014/main" id="{30AC87A2-3262-196E-D410-01C8E5BBE9D1}"/>
               </a:ext>
             </a:extLst>
           </p:cNvPr>
@@ -1380,7 +1380,7 @@
           <p:cNvPr id="5" name="日期占位符 4">
             <a:extLst>
               <a:ext uri="{FF2B5EF4-FFF2-40B4-BE49-F238E27FC236}">
-                <a16:creationId xmlns:a16="http://schemas.microsoft.com/office/drawing/2014/main" id="{8C62A0C2-C1DC-E3F8-3097-3374163CC0E5}"/>
+                <a16:creationId xmlns:a16="http://schemas.microsoft.com/office/drawing/2014/main" id="{581F5994-A76D-93A9-5DB9-19EFB083AD9E}"/>
               </a:ext>
             </a:extLst>
           </p:cNvPr>
@@ -1396,7 +1396,7 @@
           <a:bodyPr/>
           <a:lstStyle/>
           <a:p>
-            <a:fld id="{6218534A-F868-4796-89B7-85D01E630E18}" type="datetimeFigureOut">
+            <a:fld id="{BBB08990-C06F-484D-8644-C26719B08CA4}" type="datetimeFigureOut">
               <a:rPr lang="zh-CN" altLang="en-US" smtClean="0"/>
               <a:t>2024/3/10</a:t>
             </a:fld>
@@ -1409,7 +1409,7 @@
           <p:cNvPr id="6" name="页脚占位符 5">
             <a:extLst>
               <a:ext uri="{FF2B5EF4-FFF2-40B4-BE49-F238E27FC236}">
-                <a16:creationId xmlns:a16="http://schemas.microsoft.com/office/drawing/2014/main" id="{1C0EDB11-F724-2CE7-2298-62EB21D2AE04}"/>
+                <a16:creationId xmlns:a16="http://schemas.microsoft.com/office/drawing/2014/main" id="{93DDFF07-1884-AF36-FBE0-2C8818CA1A18}"/>
               </a:ext>
             </a:extLst>
           </p:cNvPr>
@@ -1434,7 +1434,7 @@
           <p:cNvPr id="7" name="灯片编号占位符 6">
             <a:extLst>
               <a:ext uri="{FF2B5EF4-FFF2-40B4-BE49-F238E27FC236}">
-                <a16:creationId xmlns:a16="http://schemas.microsoft.com/office/drawing/2014/main" id="{8434BA5E-688F-559A-21E6-DDDD7457E58F}"/>
+                <a16:creationId xmlns:a16="http://schemas.microsoft.com/office/drawing/2014/main" id="{46F5EBA5-EED0-41D2-341C-585352DD5F6E}"/>
               </a:ext>
             </a:extLst>
           </p:cNvPr>
@@ -1450,7 +1450,7 @@
           <a:bodyPr/>
           <a:lstStyle/>
           <a:p>
-            <a:fld id="{ABEAD775-013E-4EC4-91AA-C2577BE087D7}" type="slidenum">
+            <a:fld id="{4D3F2761-7EFD-4B21-B191-37421E226DC2}" type="slidenum">
               <a:rPr lang="zh-CN" altLang="en-US" smtClean="0"/>
               <a:t>‹#›</a:t>
             </a:fld>
@@ -1461,7 +1461,7 @@
     </p:spTree>
     <p:extLst>
       <p:ext uri="{BB962C8B-B14F-4D97-AF65-F5344CB8AC3E}">
-        <p14:creationId xmlns:p14="http://schemas.microsoft.com/office/powerpoint/2010/main" val="1583658692"/>
+        <p14:creationId xmlns:p14="http://schemas.microsoft.com/office/powerpoint/2010/main" val="430147389"/>
       </p:ext>
     </p:extLst>
   </p:cSld>
@@ -1493,7 +1493,7 @@
           <p:cNvPr id="2" name="标题 1">
             <a:extLst>
               <a:ext uri="{FF2B5EF4-FFF2-40B4-BE49-F238E27FC236}">
-                <a16:creationId xmlns:a16="http://schemas.microsoft.com/office/drawing/2014/main" id="{201E33B3-3D42-204C-15CF-3A4653E6B93D}"/>
+                <a16:creationId xmlns:a16="http://schemas.microsoft.com/office/drawing/2014/main" id="{DE1704D9-1606-165A-D37A-FD2E73C1D5E0}"/>
               </a:ext>
             </a:extLst>
           </p:cNvPr>
@@ -1526,7 +1526,7 @@
           <p:cNvPr id="3" name="文本占位符 2">
             <a:extLst>
               <a:ext uri="{FF2B5EF4-FFF2-40B4-BE49-F238E27FC236}">
-                <a16:creationId xmlns:a16="http://schemas.microsoft.com/office/drawing/2014/main" id="{B5B10804-AF49-D69A-5F17-77CB87AA809A}"/>
+                <a16:creationId xmlns:a16="http://schemas.microsoft.com/office/drawing/2014/main" id="{C624E1BD-B17D-861E-2AA4-27DBD230A0E0}"/>
               </a:ext>
             </a:extLst>
           </p:cNvPr>
@@ -1597,7 +1597,7 @@
           <p:cNvPr id="4" name="内容占位符 3">
             <a:extLst>
               <a:ext uri="{FF2B5EF4-FFF2-40B4-BE49-F238E27FC236}">
-                <a16:creationId xmlns:a16="http://schemas.microsoft.com/office/drawing/2014/main" id="{D41CEB22-3F26-1B3D-F24B-29F114C09BC1}"/>
+                <a16:creationId xmlns:a16="http://schemas.microsoft.com/office/drawing/2014/main" id="{4227E265-2769-7005-25FC-82680849B5AE}"/>
               </a:ext>
             </a:extLst>
           </p:cNvPr>
@@ -1659,7 +1659,7 @@
           <p:cNvPr id="5" name="文本占位符 4">
             <a:extLst>
               <a:ext uri="{FF2B5EF4-FFF2-40B4-BE49-F238E27FC236}">
-                <a16:creationId xmlns:a16="http://schemas.microsoft.com/office/drawing/2014/main" id="{9B4B431F-2299-DE7F-161B-8B1F67B93645}"/>
+                <a16:creationId xmlns:a16="http://schemas.microsoft.com/office/drawing/2014/main" id="{5B78C293-5EF7-4FAD-0BBC-63A45431BD70}"/>
               </a:ext>
             </a:extLst>
           </p:cNvPr>
@@ -1730,7 +1730,7 @@
           <p:cNvPr id="6" name="内容占位符 5">
             <a:extLst>
               <a:ext uri="{FF2B5EF4-FFF2-40B4-BE49-F238E27FC236}">
-                <a16:creationId xmlns:a16="http://schemas.microsoft.com/office/drawing/2014/main" id="{04DE7B5E-2573-774D-7BB2-2D3F0792106B}"/>
+                <a16:creationId xmlns:a16="http://schemas.microsoft.com/office/drawing/2014/main" id="{63F72775-DE4E-DA2B-C84B-802D6C44C189}"/>
               </a:ext>
             </a:extLst>
           </p:cNvPr>
@@ -1792,7 +1792,7 @@
           <p:cNvPr id="7" name="日期占位符 6">
             <a:extLst>
               <a:ext uri="{FF2B5EF4-FFF2-40B4-BE49-F238E27FC236}">
-                <a16:creationId xmlns:a16="http://schemas.microsoft.com/office/drawing/2014/main" id="{B601827E-4014-380C-9659-ED5D20E56C73}"/>
+                <a16:creationId xmlns:a16="http://schemas.microsoft.com/office/drawing/2014/main" id="{C5DAA6CB-9C22-A670-8DA1-E7C365D0B1DD}"/>
               </a:ext>
             </a:extLst>
           </p:cNvPr>
@@ -1808,7 +1808,7 @@
           <a:bodyPr/>
           <a:lstStyle/>
           <a:p>
-            <a:fld id="{6218534A-F868-4796-89B7-85D01E630E18}" type="datetimeFigureOut">
+            <a:fld id="{BBB08990-C06F-484D-8644-C26719B08CA4}" type="datetimeFigureOut">
               <a:rPr lang="zh-CN" altLang="en-US" smtClean="0"/>
               <a:t>2024/3/10</a:t>
             </a:fld>
@@ -1821,7 +1821,7 @@
           <p:cNvPr id="8" name="页脚占位符 7">
             <a:extLst>
               <a:ext uri="{FF2B5EF4-FFF2-40B4-BE49-F238E27FC236}">
-                <a16:creationId xmlns:a16="http://schemas.microsoft.com/office/drawing/2014/main" id="{30DB4DB1-656C-D05A-DE97-E3ECF5D7B0B3}"/>
+                <a16:creationId xmlns:a16="http://schemas.microsoft.com/office/drawing/2014/main" id="{1913A3CF-827B-47CB-3A41-67CB78DF4603}"/>
               </a:ext>
             </a:extLst>
           </p:cNvPr>
@@ -1846,7 +1846,7 @@
           <p:cNvPr id="9" name="灯片编号占位符 8">
             <a:extLst>
               <a:ext uri="{FF2B5EF4-FFF2-40B4-BE49-F238E27FC236}">
-                <a16:creationId xmlns:a16="http://schemas.microsoft.com/office/drawing/2014/main" id="{931996A8-58CB-9CC6-1C12-A30E2B1BC774}"/>
+                <a16:creationId xmlns:a16="http://schemas.microsoft.com/office/drawing/2014/main" id="{8BEDF859-C1AD-557F-341D-081F644DE966}"/>
               </a:ext>
             </a:extLst>
           </p:cNvPr>
@@ -1862,7 +1862,7 @@
           <a:bodyPr/>
           <a:lstStyle/>
           <a:p>
-            <a:fld id="{ABEAD775-013E-4EC4-91AA-C2577BE087D7}" type="slidenum">
+            <a:fld id="{4D3F2761-7EFD-4B21-B191-37421E226DC2}" type="slidenum">
               <a:rPr lang="zh-CN" altLang="en-US" smtClean="0"/>
               <a:t>‹#›</a:t>
             </a:fld>
@@ -1873,7 +1873,7 @@
     </p:spTree>
     <p:extLst>
       <p:ext uri="{BB962C8B-B14F-4D97-AF65-F5344CB8AC3E}">
-        <p14:creationId xmlns:p14="http://schemas.microsoft.com/office/powerpoint/2010/main" val="881232115"/>
+        <p14:creationId xmlns:p14="http://schemas.microsoft.com/office/powerpoint/2010/main" val="2691876459"/>
       </p:ext>
     </p:extLst>
   </p:cSld>
@@ -1905,7 +1905,7 @@
           <p:cNvPr id="2" name="标题 1">
             <a:extLst>
               <a:ext uri="{FF2B5EF4-FFF2-40B4-BE49-F238E27FC236}">
-                <a16:creationId xmlns:a16="http://schemas.microsoft.com/office/drawing/2014/main" id="{980D648A-C032-B724-56A0-16716693318C}"/>
+                <a16:creationId xmlns:a16="http://schemas.microsoft.com/office/drawing/2014/main" id="{43ED7220-A407-65D0-CB5D-5351F715DB61}"/>
               </a:ext>
             </a:extLst>
           </p:cNvPr>
@@ -1933,7 +1933,7 @@
           <p:cNvPr id="3" name="日期占位符 2">
             <a:extLst>
               <a:ext uri="{FF2B5EF4-FFF2-40B4-BE49-F238E27FC236}">
-                <a16:creationId xmlns:a16="http://schemas.microsoft.com/office/drawing/2014/main" id="{6F079F83-B372-A96B-F97A-863EC93A3EC6}"/>
+                <a16:creationId xmlns:a16="http://schemas.microsoft.com/office/drawing/2014/main" id="{137004DC-44E2-C691-778E-DACA56C09F6F}"/>
               </a:ext>
             </a:extLst>
           </p:cNvPr>
@@ -1949,7 +1949,7 @@
           <a:bodyPr/>
           <a:lstStyle/>
           <a:p>
-            <a:fld id="{6218534A-F868-4796-89B7-85D01E630E18}" type="datetimeFigureOut">
+            <a:fld id="{BBB08990-C06F-484D-8644-C26719B08CA4}" type="datetimeFigureOut">
               <a:rPr lang="zh-CN" altLang="en-US" smtClean="0"/>
               <a:t>2024/3/10</a:t>
             </a:fld>
@@ -1962,7 +1962,7 @@
           <p:cNvPr id="4" name="页脚占位符 3">
             <a:extLst>
               <a:ext uri="{FF2B5EF4-FFF2-40B4-BE49-F238E27FC236}">
-                <a16:creationId xmlns:a16="http://schemas.microsoft.com/office/drawing/2014/main" id="{2722972C-7E2F-9E1D-0C6B-6A3988B76D3D}"/>
+                <a16:creationId xmlns:a16="http://schemas.microsoft.com/office/drawing/2014/main" id="{97F0776A-C478-AA8F-6543-70EA8A57B99C}"/>
               </a:ext>
             </a:extLst>
           </p:cNvPr>
@@ -1987,7 +1987,7 @@
           <p:cNvPr id="5" name="灯片编号占位符 4">
             <a:extLst>
               <a:ext uri="{FF2B5EF4-FFF2-40B4-BE49-F238E27FC236}">
-                <a16:creationId xmlns:a16="http://schemas.microsoft.com/office/drawing/2014/main" id="{F2DE3217-8261-1DCD-44C7-B029BC3E5204}"/>
+                <a16:creationId xmlns:a16="http://schemas.microsoft.com/office/drawing/2014/main" id="{F6204436-15E6-A470-71A3-2FF1649E989E}"/>
               </a:ext>
             </a:extLst>
           </p:cNvPr>
@@ -2003,7 +2003,7 @@
           <a:bodyPr/>
           <a:lstStyle/>
           <a:p>
-            <a:fld id="{ABEAD775-013E-4EC4-91AA-C2577BE087D7}" type="slidenum">
+            <a:fld id="{4D3F2761-7EFD-4B21-B191-37421E226DC2}" type="slidenum">
               <a:rPr lang="zh-CN" altLang="en-US" smtClean="0"/>
               <a:t>‹#›</a:t>
             </a:fld>
@@ -2014,7 +2014,7 @@
     </p:spTree>
     <p:extLst>
       <p:ext uri="{BB962C8B-B14F-4D97-AF65-F5344CB8AC3E}">
-        <p14:creationId xmlns:p14="http://schemas.microsoft.com/office/powerpoint/2010/main" val="182671970"/>
+        <p14:creationId xmlns:p14="http://schemas.microsoft.com/office/powerpoint/2010/main" val="1078349006"/>
       </p:ext>
     </p:extLst>
   </p:cSld>
@@ -2046,7 +2046,7 @@
           <p:cNvPr id="2" name="日期占位符 1">
             <a:extLst>
               <a:ext uri="{FF2B5EF4-FFF2-40B4-BE49-F238E27FC236}">
-                <a16:creationId xmlns:a16="http://schemas.microsoft.com/office/drawing/2014/main" id="{B7EE31EF-D010-161B-39A2-8A22E4EA156A}"/>
+                <a16:creationId xmlns:a16="http://schemas.microsoft.com/office/drawing/2014/main" id="{70EBF544-873F-F385-19C9-A80EA77A7B46}"/>
               </a:ext>
             </a:extLst>
           </p:cNvPr>
@@ -2062,7 +2062,7 @@
           <a:bodyPr/>
           <a:lstStyle/>
           <a:p>
-            <a:fld id="{6218534A-F868-4796-89B7-85D01E630E18}" type="datetimeFigureOut">
+            <a:fld id="{BBB08990-C06F-484D-8644-C26719B08CA4}" type="datetimeFigureOut">
               <a:rPr lang="zh-CN" altLang="en-US" smtClean="0"/>
               <a:t>2024/3/10</a:t>
             </a:fld>
@@ -2075,7 +2075,7 @@
           <p:cNvPr id="3" name="页脚占位符 2">
             <a:extLst>
               <a:ext uri="{FF2B5EF4-FFF2-40B4-BE49-F238E27FC236}">
-                <a16:creationId xmlns:a16="http://schemas.microsoft.com/office/drawing/2014/main" id="{101A211D-A3CE-8EE7-5C93-C031858B2BD6}"/>
+                <a16:creationId xmlns:a16="http://schemas.microsoft.com/office/drawing/2014/main" id="{206B5EF0-46A1-8CDF-C399-EC201C66D6C7}"/>
               </a:ext>
             </a:extLst>
           </p:cNvPr>
@@ -2100,7 +2100,7 @@
           <p:cNvPr id="4" name="灯片编号占位符 3">
             <a:extLst>
               <a:ext uri="{FF2B5EF4-FFF2-40B4-BE49-F238E27FC236}">
-                <a16:creationId xmlns:a16="http://schemas.microsoft.com/office/drawing/2014/main" id="{C2569BCD-2E83-70CC-7029-DAD316EF7DDB}"/>
+                <a16:creationId xmlns:a16="http://schemas.microsoft.com/office/drawing/2014/main" id="{1A4FA919-D8B1-DBB5-F0D7-912D381BD9EC}"/>
               </a:ext>
             </a:extLst>
           </p:cNvPr>
@@ -2116,7 +2116,7 @@
           <a:bodyPr/>
           <a:lstStyle/>
           <a:p>
-            <a:fld id="{ABEAD775-013E-4EC4-91AA-C2577BE087D7}" type="slidenum">
+            <a:fld id="{4D3F2761-7EFD-4B21-B191-37421E226DC2}" type="slidenum">
               <a:rPr lang="zh-CN" altLang="en-US" smtClean="0"/>
               <a:t>‹#›</a:t>
             </a:fld>
@@ -2127,7 +2127,7 @@
     </p:spTree>
     <p:extLst>
       <p:ext uri="{BB962C8B-B14F-4D97-AF65-F5344CB8AC3E}">
-        <p14:creationId xmlns:p14="http://schemas.microsoft.com/office/powerpoint/2010/main" val="755699738"/>
+        <p14:creationId xmlns:p14="http://schemas.microsoft.com/office/powerpoint/2010/main" val="573586267"/>
       </p:ext>
     </p:extLst>
   </p:cSld>
@@ -2159,7 +2159,7 @@
           <p:cNvPr id="2" name="标题 1">
             <a:extLst>
               <a:ext uri="{FF2B5EF4-FFF2-40B4-BE49-F238E27FC236}">
-                <a16:creationId xmlns:a16="http://schemas.microsoft.com/office/drawing/2014/main" id="{6DD363E3-1A9D-2132-C5A2-F002AE76DDB0}"/>
+                <a16:creationId xmlns:a16="http://schemas.microsoft.com/office/drawing/2014/main" id="{AEDD1EFE-8558-F828-C38F-FC0009AC8849}"/>
               </a:ext>
             </a:extLst>
           </p:cNvPr>
@@ -2196,7 +2196,7 @@
           <p:cNvPr id="3" name="内容占位符 2">
             <a:extLst>
               <a:ext uri="{FF2B5EF4-FFF2-40B4-BE49-F238E27FC236}">
-                <a16:creationId xmlns:a16="http://schemas.microsoft.com/office/drawing/2014/main" id="{1442C864-0BBF-72C0-01D8-2B26890E1E7E}"/>
+                <a16:creationId xmlns:a16="http://schemas.microsoft.com/office/drawing/2014/main" id="{9C28BA81-E4E0-6D60-F399-48C6E9D23608}"/>
               </a:ext>
             </a:extLst>
           </p:cNvPr>
@@ -2286,7 +2286,7 @@
           <p:cNvPr id="4" name="文本占位符 3">
             <a:extLst>
               <a:ext uri="{FF2B5EF4-FFF2-40B4-BE49-F238E27FC236}">
-                <a16:creationId xmlns:a16="http://schemas.microsoft.com/office/drawing/2014/main" id="{21F5543F-ADB8-2828-0240-B47AC88C878E}"/>
+                <a16:creationId xmlns:a16="http://schemas.microsoft.com/office/drawing/2014/main" id="{18009BD7-344A-5B9D-D30E-BC0A17FB8DD4}"/>
               </a:ext>
             </a:extLst>
           </p:cNvPr>
@@ -2357,7 +2357,7 @@
           <p:cNvPr id="5" name="日期占位符 4">
             <a:extLst>
               <a:ext uri="{FF2B5EF4-FFF2-40B4-BE49-F238E27FC236}">
-                <a16:creationId xmlns:a16="http://schemas.microsoft.com/office/drawing/2014/main" id="{194D84E1-C94E-2CE1-EF7B-B66B3BF4CED7}"/>
+                <a16:creationId xmlns:a16="http://schemas.microsoft.com/office/drawing/2014/main" id="{4F9D0AFD-130A-FD09-67F1-299DCCE92852}"/>
               </a:ext>
             </a:extLst>
           </p:cNvPr>
@@ -2373,7 +2373,7 @@
           <a:bodyPr/>
           <a:lstStyle/>
           <a:p>
-            <a:fld id="{6218534A-F868-4796-89B7-85D01E630E18}" type="datetimeFigureOut">
+            <a:fld id="{BBB08990-C06F-484D-8644-C26719B08CA4}" type="datetimeFigureOut">
               <a:rPr lang="zh-CN" altLang="en-US" smtClean="0"/>
               <a:t>2024/3/10</a:t>
             </a:fld>
@@ -2386,7 +2386,7 @@
           <p:cNvPr id="6" name="页脚占位符 5">
             <a:extLst>
               <a:ext uri="{FF2B5EF4-FFF2-40B4-BE49-F238E27FC236}">
-                <a16:creationId xmlns:a16="http://schemas.microsoft.com/office/drawing/2014/main" id="{F00C406C-85B6-7F83-0D6F-5417D8F000BB}"/>
+                <a16:creationId xmlns:a16="http://schemas.microsoft.com/office/drawing/2014/main" id="{4C12EFAA-6BE2-9D50-4A5F-5D886E77D660}"/>
               </a:ext>
             </a:extLst>
           </p:cNvPr>
@@ -2411,7 +2411,7 @@
           <p:cNvPr id="7" name="灯片编号占位符 6">
             <a:extLst>
               <a:ext uri="{FF2B5EF4-FFF2-40B4-BE49-F238E27FC236}">
-                <a16:creationId xmlns:a16="http://schemas.microsoft.com/office/drawing/2014/main" id="{F4BB8DB4-DDA8-609E-72E8-F261F6337E89}"/>
+                <a16:creationId xmlns:a16="http://schemas.microsoft.com/office/drawing/2014/main" id="{E8953C1E-EAB9-CFD9-8B5E-E17A4C2D7839}"/>
               </a:ext>
             </a:extLst>
           </p:cNvPr>
@@ -2427,7 +2427,7 @@
           <a:bodyPr/>
           <a:lstStyle/>
           <a:p>
-            <a:fld id="{ABEAD775-013E-4EC4-91AA-C2577BE087D7}" type="slidenum">
+            <a:fld id="{4D3F2761-7EFD-4B21-B191-37421E226DC2}" type="slidenum">
               <a:rPr lang="zh-CN" altLang="en-US" smtClean="0"/>
               <a:t>‹#›</a:t>
             </a:fld>
@@ -2438,7 +2438,7 @@
     </p:spTree>
     <p:extLst>
       <p:ext uri="{BB962C8B-B14F-4D97-AF65-F5344CB8AC3E}">
-        <p14:creationId xmlns:p14="http://schemas.microsoft.com/office/powerpoint/2010/main" val="2128237816"/>
+        <p14:creationId xmlns:p14="http://schemas.microsoft.com/office/powerpoint/2010/main" val="3857548978"/>
       </p:ext>
     </p:extLst>
   </p:cSld>
@@ -2470,7 +2470,7 @@
           <p:cNvPr id="2" name="标题 1">
             <a:extLst>
               <a:ext uri="{FF2B5EF4-FFF2-40B4-BE49-F238E27FC236}">
-                <a16:creationId xmlns:a16="http://schemas.microsoft.com/office/drawing/2014/main" id="{542BA999-9F13-D4F6-6C82-592E6B1FA044}"/>
+                <a16:creationId xmlns:a16="http://schemas.microsoft.com/office/drawing/2014/main" id="{DF6BFCF1-095D-2F00-750F-4FE3D82386BF}"/>
               </a:ext>
             </a:extLst>
           </p:cNvPr>
@@ -2507,7 +2507,7 @@
           <p:cNvPr id="3" name="图片占位符 2">
             <a:extLst>
               <a:ext uri="{FF2B5EF4-FFF2-40B4-BE49-F238E27FC236}">
-                <a16:creationId xmlns:a16="http://schemas.microsoft.com/office/drawing/2014/main" id="{9FA439EF-942D-2F38-B62E-CD367E75FA95}"/>
+                <a16:creationId xmlns:a16="http://schemas.microsoft.com/office/drawing/2014/main" id="{4B8C64CD-9A09-24E4-08EE-DE531686AD25}"/>
               </a:ext>
             </a:extLst>
           </p:cNvPr>
@@ -2574,7 +2574,7 @@
           <p:cNvPr id="4" name="文本占位符 3">
             <a:extLst>
               <a:ext uri="{FF2B5EF4-FFF2-40B4-BE49-F238E27FC236}">
-                <a16:creationId xmlns:a16="http://schemas.microsoft.com/office/drawing/2014/main" id="{D79A653A-37D4-4A9D-BF14-4138DE9B96AB}"/>
+                <a16:creationId xmlns:a16="http://schemas.microsoft.com/office/drawing/2014/main" id="{0F63920E-07DB-58FF-51FD-18B4820B0FD5}"/>
               </a:ext>
             </a:extLst>
           </p:cNvPr>
@@ -2645,7 +2645,7 @@
           <p:cNvPr id="5" name="日期占位符 4">
             <a:extLst>
               <a:ext uri="{FF2B5EF4-FFF2-40B4-BE49-F238E27FC236}">
-                <a16:creationId xmlns:a16="http://schemas.microsoft.com/office/drawing/2014/main" id="{EDB2E5B6-1DE5-4A9B-33C4-1AD964F33952}"/>
+                <a16:creationId xmlns:a16="http://schemas.microsoft.com/office/drawing/2014/main" id="{43D39DD3-246E-B5AC-1914-A7F706586275}"/>
               </a:ext>
             </a:extLst>
           </p:cNvPr>
@@ -2661,7 +2661,7 @@
           <a:bodyPr/>
           <a:lstStyle/>
           <a:p>
-            <a:fld id="{6218534A-F868-4796-89B7-85D01E630E18}" type="datetimeFigureOut">
+            <a:fld id="{BBB08990-C06F-484D-8644-C26719B08CA4}" type="datetimeFigureOut">
               <a:rPr lang="zh-CN" altLang="en-US" smtClean="0"/>
               <a:t>2024/3/10</a:t>
             </a:fld>
@@ -2674,7 +2674,7 @@
           <p:cNvPr id="6" name="页脚占位符 5">
             <a:extLst>
               <a:ext uri="{FF2B5EF4-FFF2-40B4-BE49-F238E27FC236}">
-                <a16:creationId xmlns:a16="http://schemas.microsoft.com/office/drawing/2014/main" id="{4B0ADE3F-62E1-3F61-A0BC-5D329D07566A}"/>
+                <a16:creationId xmlns:a16="http://schemas.microsoft.com/office/drawing/2014/main" id="{89EB0937-E533-BFF0-A039-1DC41DA344C5}"/>
               </a:ext>
             </a:extLst>
           </p:cNvPr>
@@ -2699,7 +2699,7 @@
           <p:cNvPr id="7" name="灯片编号占位符 6">
             <a:extLst>
               <a:ext uri="{FF2B5EF4-FFF2-40B4-BE49-F238E27FC236}">
-                <a16:creationId xmlns:a16="http://schemas.microsoft.com/office/drawing/2014/main" id="{730A4FE8-9D73-549C-0CD9-9C662D551BDC}"/>
+                <a16:creationId xmlns:a16="http://schemas.microsoft.com/office/drawing/2014/main" id="{1829F213-9800-997A-D6AC-5AEE73EA5EA4}"/>
               </a:ext>
             </a:extLst>
           </p:cNvPr>
@@ -2715,7 +2715,7 @@
           <a:bodyPr/>
           <a:lstStyle/>
           <a:p>
-            <a:fld id="{ABEAD775-013E-4EC4-91AA-C2577BE087D7}" type="slidenum">
+            <a:fld id="{4D3F2761-7EFD-4B21-B191-37421E226DC2}" type="slidenum">
               <a:rPr lang="zh-CN" altLang="en-US" smtClean="0"/>
               <a:t>‹#›</a:t>
             </a:fld>
@@ -2726,7 +2726,7 @@
     </p:spTree>
     <p:extLst>
       <p:ext uri="{BB962C8B-B14F-4D97-AF65-F5344CB8AC3E}">
-        <p14:creationId xmlns:p14="http://schemas.microsoft.com/office/powerpoint/2010/main" val="565669546"/>
+        <p14:creationId xmlns:p14="http://schemas.microsoft.com/office/powerpoint/2010/main" val="2986584156"/>
       </p:ext>
     </p:extLst>
   </p:cSld>
@@ -2763,7 +2763,7 @@
           <p:cNvPr id="2" name="标题占位符 1">
             <a:extLst>
               <a:ext uri="{FF2B5EF4-FFF2-40B4-BE49-F238E27FC236}">
-                <a16:creationId xmlns:a16="http://schemas.microsoft.com/office/drawing/2014/main" id="{43FE55C3-8DEF-C5B6-08A5-8E842559FB39}"/>
+                <a16:creationId xmlns:a16="http://schemas.microsoft.com/office/drawing/2014/main" id="{B200D8FB-3DC0-5582-9425-C2DC589B23E8}"/>
               </a:ext>
             </a:extLst>
           </p:cNvPr>
@@ -2801,7 +2801,7 @@
           <p:cNvPr id="3" name="文本占位符 2">
             <a:extLst>
               <a:ext uri="{FF2B5EF4-FFF2-40B4-BE49-F238E27FC236}">
-                <a16:creationId xmlns:a16="http://schemas.microsoft.com/office/drawing/2014/main" id="{BBC34329-B5CA-E2BC-0869-44B8EE1E4BBB}"/>
+                <a16:creationId xmlns:a16="http://schemas.microsoft.com/office/drawing/2014/main" id="{3A23935F-F4AE-DF77-199E-B88253695F57}"/>
               </a:ext>
             </a:extLst>
           </p:cNvPr>
@@ -2868,7 +2868,7 @@
           <p:cNvPr id="4" name="日期占位符 3">
             <a:extLst>
               <a:ext uri="{FF2B5EF4-FFF2-40B4-BE49-F238E27FC236}">
-                <a16:creationId xmlns:a16="http://schemas.microsoft.com/office/drawing/2014/main" id="{69A7C863-5C9C-A31D-F84B-0D65A35FDFF7}"/>
+                <a16:creationId xmlns:a16="http://schemas.microsoft.com/office/drawing/2014/main" id="{5ABBDF7F-8CF4-380D-35BB-4519E3C6C220}"/>
               </a:ext>
             </a:extLst>
           </p:cNvPr>
@@ -2902,7 +2902,7 @@
             </a:lvl1pPr>
           </a:lstStyle>
           <a:p>
-            <a:fld id="{6218534A-F868-4796-89B7-85D01E630E18}" type="datetimeFigureOut">
+            <a:fld id="{BBB08990-C06F-484D-8644-C26719B08CA4}" type="datetimeFigureOut">
               <a:rPr lang="zh-CN" altLang="en-US" smtClean="0"/>
               <a:t>2024/3/10</a:t>
             </a:fld>
@@ -2915,7 +2915,7 @@
           <p:cNvPr id="5" name="页脚占位符 4">
             <a:extLst>
               <a:ext uri="{FF2B5EF4-FFF2-40B4-BE49-F238E27FC236}">
-                <a16:creationId xmlns:a16="http://schemas.microsoft.com/office/drawing/2014/main" id="{8726AFBB-9122-D77D-39F1-EC860ED914D1}"/>
+                <a16:creationId xmlns:a16="http://schemas.microsoft.com/office/drawing/2014/main" id="{3408CB6A-1831-3161-7D0F-7FB8D90A12A8}"/>
               </a:ext>
             </a:extLst>
           </p:cNvPr>
@@ -2958,7 +2958,7 @@
           <p:cNvPr id="6" name="灯片编号占位符 5">
             <a:extLst>
               <a:ext uri="{FF2B5EF4-FFF2-40B4-BE49-F238E27FC236}">
-                <a16:creationId xmlns:a16="http://schemas.microsoft.com/office/drawing/2014/main" id="{D640585A-0CD2-8519-D4FE-D01727D3D88A}"/>
+                <a16:creationId xmlns:a16="http://schemas.microsoft.com/office/drawing/2014/main" id="{1FA9D531-DB80-1765-CE9E-005AF6A8CE86}"/>
               </a:ext>
             </a:extLst>
           </p:cNvPr>
@@ -2992,7 +2992,7 @@
             </a:lvl1pPr>
           </a:lstStyle>
           <a:p>
-            <a:fld id="{ABEAD775-013E-4EC4-91AA-C2577BE087D7}" type="slidenum">
+            <a:fld id="{4D3F2761-7EFD-4B21-B191-37421E226DC2}" type="slidenum">
               <a:rPr lang="zh-CN" altLang="en-US" smtClean="0"/>
               <a:t>‹#›</a:t>
             </a:fld>
@@ -3003,7 +3003,7 @@
     </p:spTree>
     <p:extLst>
       <p:ext uri="{BB962C8B-B14F-4D97-AF65-F5344CB8AC3E}">
-        <p14:creationId xmlns:p14="http://schemas.microsoft.com/office/powerpoint/2010/main" val="584411147"/>
+        <p14:creationId xmlns:p14="http://schemas.microsoft.com/office/powerpoint/2010/main" val="2177931187"/>
       </p:ext>
     </p:extLst>
   </p:cSld>
